--- a/rapport/sout_final_webui-oardocker.pptx
+++ b/rapport/sout_final_webui-oardocker.pptx
@@ -11,15 +11,16 @@
     <p:sldId id="260" r:id="rId5"/>
     <p:sldId id="261" r:id="rId6"/>
     <p:sldId id="262" r:id="rId7"/>
-    <p:sldId id="263" r:id="rId8"/>
-    <p:sldId id="264" r:id="rId9"/>
-    <p:sldId id="265" r:id="rId10"/>
-    <p:sldId id="266" r:id="rId11"/>
-    <p:sldId id="267" r:id="rId12"/>
-    <p:sldId id="268" r:id="rId13"/>
-    <p:sldId id="269" r:id="rId14"/>
-    <p:sldId id="270" r:id="rId15"/>
-    <p:sldId id="271" r:id="rId16"/>
+    <p:sldId id="272" r:id="rId8"/>
+    <p:sldId id="263" r:id="rId9"/>
+    <p:sldId id="264" r:id="rId10"/>
+    <p:sldId id="265" r:id="rId11"/>
+    <p:sldId id="266" r:id="rId12"/>
+    <p:sldId id="267" r:id="rId13"/>
+    <p:sldId id="268" r:id="rId14"/>
+    <p:sldId id="269" r:id="rId15"/>
+    <p:sldId id="270" r:id="rId16"/>
+    <p:sldId id="271" r:id="rId17"/>
   </p:sldIdLst>
   <p:sldSz cx="9144000" cy="6858000" type="screen4x3"/>
   <p:notesSz cx="6858000" cy="9144000"/>
@@ -13977,6 +13978,191 @@
           <a:p>
             <a:r>
               <a:rPr lang="fr-FR" dirty="0" smtClean="0"/>
+              <a:t>Outils &amp; Technologies utilisés</a:t>
+            </a:r>
+            <a:endParaRPr lang="fr-FR" dirty="0"/>
+          </a:p>
+        </p:txBody>
+      </p:sp>
+      <p:sp>
+        <p:nvSpPr>
+          <p:cNvPr id="3" name="Espace réservé du contenu 2"/>
+          <p:cNvSpPr>
+            <a:spLocks noGrp="1"/>
+          </p:cNvSpPr>
+          <p:nvPr>
+            <p:ph idx="1"/>
+          </p:nvPr>
+        </p:nvSpPr>
+        <p:spPr/>
+        <p:txBody>
+          <a:bodyPr>
+            <a:normAutofit lnSpcReduction="10000"/>
+          </a:bodyPr>
+          <a:lstStyle/>
+          <a:p>
+            <a:r>
+              <a:rPr lang="fr-FR" dirty="0" smtClean="0"/>
+              <a:t>API REST OAR</a:t>
+            </a:r>
+          </a:p>
+          <a:p>
+            <a:pPr lvl="1"/>
+            <a:r>
+              <a:rPr lang="fr-FR" dirty="0" smtClean="0"/>
+              <a:t>Toute les échanges avec OAR passent par l’API, les requêtes peuvent être :</a:t>
+            </a:r>
+          </a:p>
+          <a:p>
+            <a:pPr lvl="2"/>
+            <a:r>
+              <a:rPr lang="fr-FR" dirty="0" smtClean="0"/>
+              <a:t>Sans  authentification :</a:t>
+            </a:r>
+          </a:p>
+          <a:p>
+            <a:pPr lvl="3"/>
+            <a:r>
+              <a:rPr lang="fr-FR" dirty="0"/>
+              <a:t>Etat </a:t>
+            </a:r>
+            <a:r>
+              <a:rPr lang="fr-FR" dirty="0" smtClean="0"/>
+              <a:t>général</a:t>
+            </a:r>
+          </a:p>
+          <a:p>
+            <a:pPr lvl="3"/>
+            <a:r>
+              <a:rPr lang="fr-FR" dirty="0" smtClean="0"/>
+              <a:t>Job en cours d’exécution</a:t>
+            </a:r>
+          </a:p>
+          <a:p>
+            <a:pPr lvl="3"/>
+            <a:endParaRPr lang="fr-FR" dirty="0" smtClean="0"/>
+          </a:p>
+          <a:p>
+            <a:pPr lvl="2"/>
+            <a:r>
+              <a:rPr lang="fr-FR" dirty="0" smtClean="0"/>
+              <a:t>Avec authentification :</a:t>
+            </a:r>
+          </a:p>
+          <a:p>
+            <a:pPr lvl="3"/>
+            <a:r>
+              <a:rPr lang="fr-FR" dirty="0" smtClean="0"/>
+              <a:t>Création/Suppression d’un nœud</a:t>
+            </a:r>
+          </a:p>
+          <a:p>
+            <a:pPr lvl="3"/>
+            <a:r>
+              <a:rPr lang="fr-FR" dirty="0" smtClean="0"/>
+              <a:t>Création/Annulation  d’un job</a:t>
+            </a:r>
+          </a:p>
+          <a:p>
+            <a:pPr marL="896112" lvl="3" indent="0">
+              <a:buNone/>
+            </a:pPr>
+            <a:endParaRPr lang="fr-FR" dirty="0" smtClean="0"/>
+          </a:p>
+          <a:p>
+            <a:pPr marL="896112" lvl="3" indent="0">
+              <a:buNone/>
+            </a:pPr>
+            <a:endParaRPr lang="fr-FR" dirty="0"/>
+          </a:p>
+        </p:txBody>
+      </p:sp>
+      <p:pic>
+        <p:nvPicPr>
+          <p:cNvPr id="4" name="Image 3"/>
+          <p:cNvPicPr>
+            <a:picLocks noChangeAspect="1"/>
+          </p:cNvPicPr>
+          <p:nvPr/>
+        </p:nvPicPr>
+        <p:blipFill>
+          <a:blip r:embed="rId2">
+            <a:extLst>
+              <a:ext uri="{28A0092B-C50C-407E-A947-70E740481C1C}">
+                <a14:useLocalDpi xmlns:a14="http://schemas.microsoft.com/office/drawing/2010/main" val="0"/>
+              </a:ext>
+            </a:extLst>
+          </a:blip>
+          <a:stretch>
+            <a:fillRect/>
+          </a:stretch>
+        </p:blipFill>
+        <p:spPr>
+          <a:xfrm>
+            <a:off x="7676672" y="5737807"/>
+            <a:ext cx="1533525" cy="1123950"/>
+          </a:xfrm>
+          <a:prstGeom prst="rect">
+            <a:avLst/>
+          </a:prstGeom>
+        </p:spPr>
+      </p:pic>
+    </p:spTree>
+    <p:extLst>
+      <p:ext uri="{BB962C8B-B14F-4D97-AF65-F5344CB8AC3E}">
+        <p14:creationId xmlns:p14="http://schemas.microsoft.com/office/powerpoint/2010/main" val="2403001937"/>
+      </p:ext>
+    </p:extLst>
+  </p:cSld>
+  <p:clrMapOvr>
+    <a:masterClrMapping/>
+  </p:clrMapOvr>
+  <p:timing>
+    <p:tnLst>
+      <p:par>
+        <p:cTn id="1" dur="indefinite" restart="never" nodeType="tmRoot"/>
+      </p:par>
+    </p:tnLst>
+  </p:timing>
+</p:sld>
+</file>
+
+<file path=ppt/slides/slide11.xml><?xml version="1.0" encoding="utf-8"?>
+<p:sld xmlns:a="http://schemas.openxmlformats.org/drawingml/2006/main" xmlns:r="http://schemas.openxmlformats.org/officeDocument/2006/relationships" xmlns:p="http://schemas.openxmlformats.org/presentationml/2006/main">
+  <p:cSld>
+    <p:spTree>
+      <p:nvGrpSpPr>
+        <p:cNvPr id="1" name=""/>
+        <p:cNvGrpSpPr/>
+        <p:nvPr/>
+      </p:nvGrpSpPr>
+      <p:grpSpPr>
+        <a:xfrm>
+          <a:off x="0" y="0"/>
+          <a:ext cx="0" cy="0"/>
+          <a:chOff x="0" y="0"/>
+          <a:chExt cx="0" cy="0"/>
+        </a:xfrm>
+      </p:grpSpPr>
+      <p:sp>
+        <p:nvSpPr>
+          <p:cNvPr id="2" name="Titre 1"/>
+          <p:cNvSpPr>
+            <a:spLocks noGrp="1"/>
+          </p:cNvSpPr>
+          <p:nvPr>
+            <p:ph type="title"/>
+          </p:nvPr>
+        </p:nvSpPr>
+        <p:spPr/>
+        <p:txBody>
+          <a:bodyPr>
+            <a:normAutofit fontScale="90000"/>
+          </a:bodyPr>
+          <a:lstStyle/>
+          <a:p>
+            <a:r>
+              <a:rPr lang="fr-FR" dirty="0" smtClean="0"/>
               <a:t>Autre outils/technologies utilisés</a:t>
             </a:r>
             <a:endParaRPr lang="fr-FR" dirty="0"/>
@@ -14117,7 +14303,7 @@
 </p:sld>
 </file>
 
-<file path=ppt/slides/slide11.xml><?xml version="1.0" encoding="utf-8"?>
+<file path=ppt/slides/slide12.xml><?xml version="1.0" encoding="utf-8"?>
 <p:sld xmlns:a="http://schemas.openxmlformats.org/drawingml/2006/main" xmlns:r="http://schemas.openxmlformats.org/officeDocument/2006/relationships" xmlns:p="http://schemas.openxmlformats.org/presentationml/2006/main">
   <p:cSld>
     <p:spTree>
@@ -14244,7 +14430,7 @@
 </p:sld>
 </file>
 
-<file path=ppt/slides/slide12.xml><?xml version="1.0" encoding="utf-8"?>
+<file path=ppt/slides/slide13.xml><?xml version="1.0" encoding="utf-8"?>
 <p:sld xmlns:a="http://schemas.openxmlformats.org/drawingml/2006/main" xmlns:r="http://schemas.openxmlformats.org/officeDocument/2006/relationships" xmlns:p="http://schemas.openxmlformats.org/presentationml/2006/main">
   <p:cSld>
     <p:spTree>
@@ -14297,7 +14483,7 @@
         <p:spPr/>
         <p:txBody>
           <a:bodyPr>
-            <a:normAutofit lnSpcReduction="10000"/>
+            <a:normAutofit fontScale="85000" lnSpcReduction="10000"/>
           </a:bodyPr>
           <a:lstStyle/>
           <a:p>
@@ -14321,8 +14507,22 @@
           <a:p>
             <a:r>
               <a:rPr lang="fr-FR" dirty="0" smtClean="0"/>
-              <a:t>Respecter les objectifs fixés</a:t>
-            </a:r>
+              <a:t>Respecter les objectifs </a:t>
+            </a:r>
+            <a:r>
+              <a:rPr lang="fr-FR" dirty="0" smtClean="0"/>
+              <a:t>fixés</a:t>
+            </a:r>
+          </a:p>
+          <a:p>
+            <a:endParaRPr lang="fr-FR" dirty="0" smtClean="0"/>
+          </a:p>
+          <a:p>
+            <a:r>
+              <a:rPr lang="fr-FR" dirty="0" smtClean="0"/>
+              <a:t>Découverte de la programmation  « web »</a:t>
+            </a:r>
+            <a:endParaRPr lang="fr-FR" dirty="0" smtClean="0"/>
           </a:p>
           <a:p>
             <a:endParaRPr lang="fr-FR" dirty="0"/>
@@ -14337,8 +14537,8 @@
               <a:t>-docker est un outil encore en </a:t>
             </a:r>
             <a:r>
-              <a:rPr lang="fr-FR" dirty="0" err="1" smtClean="0"/>
-              <a:t>devellopement</a:t>
+              <a:rPr lang="fr-FR" dirty="0" smtClean="0"/>
+              <a:t>développement</a:t>
             </a:r>
             <a:endParaRPr lang="fr-FR" dirty="0" smtClean="0"/>
           </a:p>
@@ -14394,7 +14594,7 @@
 </p:sld>
 </file>
 
-<file path=ppt/slides/slide13.xml><?xml version="1.0" encoding="utf-8"?>
+<file path=ppt/slides/slide14.xml><?xml version="1.0" encoding="utf-8"?>
 <p:sld xmlns:a="http://schemas.openxmlformats.org/drawingml/2006/main" xmlns:r="http://schemas.openxmlformats.org/officeDocument/2006/relationships" xmlns:p="http://schemas.openxmlformats.org/presentationml/2006/main">
   <p:cSld>
     <p:spTree>
@@ -14583,7 +14783,7 @@
 </p:sld>
 </file>
 
-<file path=ppt/slides/slide14.xml><?xml version="1.0" encoding="utf-8"?>
+<file path=ppt/slides/slide15.xml><?xml version="1.0" encoding="utf-8"?>
 <p:sld xmlns:a="http://schemas.openxmlformats.org/drawingml/2006/main" xmlns:r="http://schemas.openxmlformats.org/officeDocument/2006/relationships" xmlns:p="http://schemas.openxmlformats.org/presentationml/2006/main">
   <p:cSld>
     <p:spTree>
@@ -14672,7 +14872,7 @@
 </p:sld>
 </file>
 
-<file path=ppt/slides/slide15.xml><?xml version="1.0" encoding="utf-8"?>
+<file path=ppt/slides/slide16.xml><?xml version="1.0" encoding="utf-8"?>
 <p:sld xmlns:a="http://schemas.openxmlformats.org/drawingml/2006/main" xmlns:r="http://schemas.openxmlformats.org/officeDocument/2006/relationships" xmlns:p="http://schemas.openxmlformats.org/presentationml/2006/main">
   <p:cSld>
     <p:spTree>
@@ -16180,6 +16380,137 @@
           <a:p>
             <a:r>
               <a:rPr lang="fr-FR" dirty="0" smtClean="0"/>
+              <a:t>Cluster ?</a:t>
+            </a:r>
+            <a:endParaRPr lang="fr-FR" dirty="0"/>
+          </a:p>
+        </p:txBody>
+      </p:sp>
+      <p:sp>
+        <p:nvSpPr>
+          <p:cNvPr id="3" name="Espace réservé du contenu 2"/>
+          <p:cNvSpPr>
+            <a:spLocks noGrp="1"/>
+          </p:cNvSpPr>
+          <p:nvPr>
+            <p:ph idx="1"/>
+          </p:nvPr>
+        </p:nvSpPr>
+        <p:spPr/>
+        <p:txBody>
+          <a:bodyPr/>
+          <a:lstStyle/>
+          <a:p>
+            <a:r>
+              <a:rPr lang="fr-FR" dirty="0" smtClean="0"/>
+              <a:t>définition :  </a:t>
+            </a:r>
+            <a:r>
+              <a:rPr lang="fr-FR" dirty="0"/>
+              <a:t> </a:t>
+            </a:r>
+            <a:r>
+              <a:rPr lang="fr-FR" i="1" dirty="0"/>
+              <a:t>un système informatique composé d'unités de calcul (micro-processeurs, cœurs, unités centrales) autonomes qui sont reliées entre elles à l'aide d'un réseau de communication</a:t>
+            </a:r>
+            <a:r>
+              <a:rPr lang="fr-FR" i="1" dirty="0" smtClean="0"/>
+              <a:t>.</a:t>
+            </a:r>
+          </a:p>
+          <a:p>
+            <a:pPr marL="1097280" lvl="4" indent="0">
+              <a:buNone/>
+            </a:pPr>
+            <a:r>
+              <a:rPr lang="fr-FR" dirty="0" smtClean="0"/>
+              <a:t>				Source : </a:t>
+            </a:r>
+            <a:r>
+              <a:rPr lang="fr-FR" dirty="0" err="1" smtClean="0"/>
+              <a:t>wikipédia</a:t>
+            </a:r>
+            <a:endParaRPr lang="fr-FR" dirty="0"/>
+          </a:p>
+        </p:txBody>
+      </p:sp>
+      <p:pic>
+        <p:nvPicPr>
+          <p:cNvPr id="4" name="Image 3"/>
+          <p:cNvPicPr>
+            <a:picLocks noChangeAspect="1"/>
+          </p:cNvPicPr>
+          <p:nvPr/>
+        </p:nvPicPr>
+        <p:blipFill>
+          <a:blip r:embed="rId2">
+            <a:extLst>
+              <a:ext uri="{28A0092B-C50C-407E-A947-70E740481C1C}">
+                <a14:useLocalDpi xmlns:a14="http://schemas.microsoft.com/office/drawing/2010/main" val="0"/>
+              </a:ext>
+            </a:extLst>
+          </a:blip>
+          <a:stretch>
+            <a:fillRect/>
+          </a:stretch>
+        </p:blipFill>
+        <p:spPr>
+          <a:xfrm>
+            <a:off x="7676672" y="5737807"/>
+            <a:ext cx="1533525" cy="1123950"/>
+          </a:xfrm>
+          <a:prstGeom prst="rect">
+            <a:avLst/>
+          </a:prstGeom>
+        </p:spPr>
+      </p:pic>
+    </p:spTree>
+    <p:extLst>
+      <p:ext uri="{BB962C8B-B14F-4D97-AF65-F5344CB8AC3E}">
+        <p14:creationId xmlns:p14="http://schemas.microsoft.com/office/powerpoint/2010/main" val="3771326305"/>
+      </p:ext>
+    </p:extLst>
+  </p:cSld>
+  <p:clrMapOvr>
+    <a:masterClrMapping/>
+  </p:clrMapOvr>
+</p:sld>
+</file>
+
+<file path=ppt/slides/slide8.xml><?xml version="1.0" encoding="utf-8"?>
+<p:sld xmlns:a="http://schemas.openxmlformats.org/drawingml/2006/main" xmlns:r="http://schemas.openxmlformats.org/officeDocument/2006/relationships" xmlns:p="http://schemas.openxmlformats.org/presentationml/2006/main">
+  <p:cSld>
+    <p:spTree>
+      <p:nvGrpSpPr>
+        <p:cNvPr id="1" name=""/>
+        <p:cNvGrpSpPr/>
+        <p:nvPr/>
+      </p:nvGrpSpPr>
+      <p:grpSpPr>
+        <a:xfrm>
+          <a:off x="0" y="0"/>
+          <a:ext cx="0" cy="0"/>
+          <a:chOff x="0" y="0"/>
+          <a:chExt cx="0" cy="0"/>
+        </a:xfrm>
+      </p:grpSpPr>
+      <p:sp>
+        <p:nvSpPr>
+          <p:cNvPr id="2" name="Titre 1"/>
+          <p:cNvSpPr>
+            <a:spLocks noGrp="1"/>
+          </p:cNvSpPr>
+          <p:nvPr>
+            <p:ph type="title"/>
+          </p:nvPr>
+        </p:nvSpPr>
+        <p:spPr/>
+        <p:txBody>
+          <a:bodyPr/>
+          <a:lstStyle/>
+          <a:p>
+            <a:r>
+              <a:rPr lang="fr-FR" dirty="0" smtClean="0"/>
               <a:t>Pourquoi une </a:t>
             </a:r>
             <a:r>
@@ -16295,7 +16626,7 @@
 </p:sld>
 </file>
 
-<file path=ppt/slides/slide8.xml><?xml version="1.0" encoding="utf-8"?>
+<file path=ppt/slides/slide9.xml><?xml version="1.0" encoding="utf-8"?>
 <p:sld xmlns:a="http://schemas.openxmlformats.org/drawingml/2006/main" xmlns:r="http://schemas.openxmlformats.org/officeDocument/2006/relationships" xmlns:p="http://schemas.openxmlformats.org/presentationml/2006/main">
   <p:cSld>
     <p:spTree>
@@ -16436,191 +16767,6 @@
     <p:extLst>
       <p:ext uri="{BB962C8B-B14F-4D97-AF65-F5344CB8AC3E}">
         <p14:creationId xmlns:p14="http://schemas.microsoft.com/office/powerpoint/2010/main" val="1363081121"/>
-      </p:ext>
-    </p:extLst>
-  </p:cSld>
-  <p:clrMapOvr>
-    <a:masterClrMapping/>
-  </p:clrMapOvr>
-  <p:timing>
-    <p:tnLst>
-      <p:par>
-        <p:cTn id="1" dur="indefinite" restart="never" nodeType="tmRoot"/>
-      </p:par>
-    </p:tnLst>
-  </p:timing>
-</p:sld>
-</file>
-
-<file path=ppt/slides/slide9.xml><?xml version="1.0" encoding="utf-8"?>
-<p:sld xmlns:a="http://schemas.openxmlformats.org/drawingml/2006/main" xmlns:r="http://schemas.openxmlformats.org/officeDocument/2006/relationships" xmlns:p="http://schemas.openxmlformats.org/presentationml/2006/main">
-  <p:cSld>
-    <p:spTree>
-      <p:nvGrpSpPr>
-        <p:cNvPr id="1" name=""/>
-        <p:cNvGrpSpPr/>
-        <p:nvPr/>
-      </p:nvGrpSpPr>
-      <p:grpSpPr>
-        <a:xfrm>
-          <a:off x="0" y="0"/>
-          <a:ext cx="0" cy="0"/>
-          <a:chOff x="0" y="0"/>
-          <a:chExt cx="0" cy="0"/>
-        </a:xfrm>
-      </p:grpSpPr>
-      <p:sp>
-        <p:nvSpPr>
-          <p:cNvPr id="2" name="Titre 1"/>
-          <p:cNvSpPr>
-            <a:spLocks noGrp="1"/>
-          </p:cNvSpPr>
-          <p:nvPr>
-            <p:ph type="title"/>
-          </p:nvPr>
-        </p:nvSpPr>
-        <p:spPr/>
-        <p:txBody>
-          <a:bodyPr>
-            <a:normAutofit fontScale="90000"/>
-          </a:bodyPr>
-          <a:lstStyle/>
-          <a:p>
-            <a:r>
-              <a:rPr lang="fr-FR" dirty="0" smtClean="0"/>
-              <a:t>Outils &amp; Technologies utilisés</a:t>
-            </a:r>
-            <a:endParaRPr lang="fr-FR" dirty="0"/>
-          </a:p>
-        </p:txBody>
-      </p:sp>
-      <p:sp>
-        <p:nvSpPr>
-          <p:cNvPr id="3" name="Espace réservé du contenu 2"/>
-          <p:cNvSpPr>
-            <a:spLocks noGrp="1"/>
-          </p:cNvSpPr>
-          <p:nvPr>
-            <p:ph idx="1"/>
-          </p:nvPr>
-        </p:nvSpPr>
-        <p:spPr/>
-        <p:txBody>
-          <a:bodyPr>
-            <a:normAutofit lnSpcReduction="10000"/>
-          </a:bodyPr>
-          <a:lstStyle/>
-          <a:p>
-            <a:r>
-              <a:rPr lang="fr-FR" dirty="0" smtClean="0"/>
-              <a:t>API REST OAR</a:t>
-            </a:r>
-          </a:p>
-          <a:p>
-            <a:pPr lvl="1"/>
-            <a:r>
-              <a:rPr lang="fr-FR" dirty="0" smtClean="0"/>
-              <a:t>Toute les échanges avec OAR passent par l’API, les requêtes peuvent être :</a:t>
-            </a:r>
-          </a:p>
-          <a:p>
-            <a:pPr lvl="2"/>
-            <a:r>
-              <a:rPr lang="fr-FR" dirty="0" smtClean="0"/>
-              <a:t>Sans  authentification :</a:t>
-            </a:r>
-          </a:p>
-          <a:p>
-            <a:pPr lvl="3"/>
-            <a:r>
-              <a:rPr lang="fr-FR" dirty="0"/>
-              <a:t>Etat </a:t>
-            </a:r>
-            <a:r>
-              <a:rPr lang="fr-FR" dirty="0" smtClean="0"/>
-              <a:t>général</a:t>
-            </a:r>
-          </a:p>
-          <a:p>
-            <a:pPr lvl="3"/>
-            <a:r>
-              <a:rPr lang="fr-FR" dirty="0" smtClean="0"/>
-              <a:t>Job en cours d’exécution</a:t>
-            </a:r>
-          </a:p>
-          <a:p>
-            <a:pPr lvl="3"/>
-            <a:endParaRPr lang="fr-FR" dirty="0" smtClean="0"/>
-          </a:p>
-          <a:p>
-            <a:pPr lvl="2"/>
-            <a:r>
-              <a:rPr lang="fr-FR" dirty="0" smtClean="0"/>
-              <a:t>Avec authentification :</a:t>
-            </a:r>
-          </a:p>
-          <a:p>
-            <a:pPr lvl="3"/>
-            <a:r>
-              <a:rPr lang="fr-FR" dirty="0" smtClean="0"/>
-              <a:t>Création/Suppression d’un nœud</a:t>
-            </a:r>
-          </a:p>
-          <a:p>
-            <a:pPr lvl="3"/>
-            <a:r>
-              <a:rPr lang="fr-FR" dirty="0" smtClean="0"/>
-              <a:t>Création/Annulation  d’un job</a:t>
-            </a:r>
-          </a:p>
-          <a:p>
-            <a:pPr marL="896112" lvl="3" indent="0">
-              <a:buNone/>
-            </a:pPr>
-            <a:endParaRPr lang="fr-FR" dirty="0" smtClean="0"/>
-          </a:p>
-          <a:p>
-            <a:pPr marL="896112" lvl="3" indent="0">
-              <a:buNone/>
-            </a:pPr>
-            <a:endParaRPr lang="fr-FR" dirty="0"/>
-          </a:p>
-        </p:txBody>
-      </p:sp>
-      <p:pic>
-        <p:nvPicPr>
-          <p:cNvPr id="4" name="Image 3"/>
-          <p:cNvPicPr>
-            <a:picLocks noChangeAspect="1"/>
-          </p:cNvPicPr>
-          <p:nvPr/>
-        </p:nvPicPr>
-        <p:blipFill>
-          <a:blip r:embed="rId2">
-            <a:extLst>
-              <a:ext uri="{28A0092B-C50C-407E-A947-70E740481C1C}">
-                <a14:useLocalDpi xmlns:a14="http://schemas.microsoft.com/office/drawing/2010/main" val="0"/>
-              </a:ext>
-            </a:extLst>
-          </a:blip>
-          <a:stretch>
-            <a:fillRect/>
-          </a:stretch>
-        </p:blipFill>
-        <p:spPr>
-          <a:xfrm>
-            <a:off x="7676672" y="5737807"/>
-            <a:ext cx="1533525" cy="1123950"/>
-          </a:xfrm>
-          <a:prstGeom prst="rect">
-            <a:avLst/>
-          </a:prstGeom>
-        </p:spPr>
-      </p:pic>
-    </p:spTree>
-    <p:extLst>
-      <p:ext uri="{BB962C8B-B14F-4D97-AF65-F5344CB8AC3E}">
-        <p14:creationId xmlns:p14="http://schemas.microsoft.com/office/powerpoint/2010/main" val="2403001937"/>
       </p:ext>
     </p:extLst>
   </p:cSld>

--- a/rapport/sout_final_webui-oardocker.pptx
+++ b/rapport/sout_final_webui-oardocker.pptx
@@ -2879,7 +2879,7 @@
           <a:p>
             <a:fld id="{AA309A6D-C09C-4548-B29A-6CF363A7E532}" type="datetimeFigureOut">
               <a:rPr lang="fr-FR" smtClean="0"/>
-              <a:t>05/04/2015</a:t>
+              <a:t>07/04/2015</a:t>
             </a:fld>
             <a:endParaRPr lang="fr-BE"/>
           </a:p>
@@ -3164,7 +3164,7 @@
           <a:p>
             <a:fld id="{AA309A6D-C09C-4548-B29A-6CF363A7E532}" type="datetimeFigureOut">
               <a:rPr lang="fr-FR" smtClean="0"/>
-              <a:t>05/04/2015</a:t>
+              <a:t>07/04/2015</a:t>
             </a:fld>
             <a:endParaRPr lang="fr-BE"/>
           </a:p>
@@ -3339,7 +3339,7 @@
           <a:p>
             <a:fld id="{AA309A6D-C09C-4548-B29A-6CF363A7E532}" type="datetimeFigureOut">
               <a:rPr lang="fr-FR" smtClean="0"/>
-              <a:t>05/04/2015</a:t>
+              <a:t>07/04/2015</a:t>
             </a:fld>
             <a:endParaRPr lang="fr-BE"/>
           </a:p>
@@ -3504,7 +3504,7 @@
           <a:p>
             <a:fld id="{AA309A6D-C09C-4548-B29A-6CF363A7E532}" type="datetimeFigureOut">
               <a:rPr lang="fr-FR" smtClean="0"/>
-              <a:t>05/04/2015</a:t>
+              <a:t>07/04/2015</a:t>
             </a:fld>
             <a:endParaRPr lang="fr-BE"/>
           </a:p>
@@ -3745,7 +3745,7 @@
           <a:p>
             <a:fld id="{AA309A6D-C09C-4548-B29A-6CF363A7E532}" type="datetimeFigureOut">
               <a:rPr lang="fr-FR" smtClean="0"/>
-              <a:t>05/04/2015</a:t>
+              <a:t>07/04/2015</a:t>
             </a:fld>
             <a:endParaRPr lang="fr-BE"/>
           </a:p>
@@ -3858,7 +3858,7 @@
           <a:p>
             <a:fld id="{AA309A6D-C09C-4548-B29A-6CF363A7E532}" type="datetimeFigureOut">
               <a:rPr lang="fr-FR" smtClean="0"/>
-              <a:t>05/04/2015</a:t>
+              <a:t>07/04/2015</a:t>
             </a:fld>
             <a:endParaRPr lang="fr-BE"/>
           </a:p>
@@ -4397,7 +4397,7 @@
           <a:p>
             <a:fld id="{AA309A6D-C09C-4548-B29A-6CF363A7E532}" type="datetimeFigureOut">
               <a:rPr lang="fr-FR" smtClean="0"/>
-              <a:t>05/04/2015</a:t>
+              <a:t>07/04/2015</a:t>
             </a:fld>
             <a:endParaRPr lang="fr-BE"/>
           </a:p>
@@ -4510,7 +4510,7 @@
           <a:p>
             <a:fld id="{AA309A6D-C09C-4548-B29A-6CF363A7E532}" type="datetimeFigureOut">
               <a:rPr lang="fr-FR" smtClean="0"/>
-              <a:t>05/04/2015</a:t>
+              <a:t>07/04/2015</a:t>
             </a:fld>
             <a:endParaRPr lang="fr-BE"/>
           </a:p>
@@ -4600,7 +4600,7 @@
           <a:p>
             <a:fld id="{AA309A6D-C09C-4548-B29A-6CF363A7E532}" type="datetimeFigureOut">
               <a:rPr lang="fr-FR" smtClean="0"/>
-              <a:t>05/04/2015</a:t>
+              <a:t>07/04/2015</a:t>
             </a:fld>
             <a:endParaRPr lang="fr-BE"/>
           </a:p>
@@ -7251,7 +7251,7 @@
           <a:p>
             <a:fld id="{AA309A6D-C09C-4548-B29A-6CF363A7E532}" type="datetimeFigureOut">
               <a:rPr lang="fr-FR" smtClean="0"/>
-              <a:t>05/04/2015</a:t>
+              <a:t>07/04/2015</a:t>
             </a:fld>
             <a:endParaRPr lang="fr-BE"/>
           </a:p>
@@ -10463,7 +10463,7 @@
           <a:p>
             <a:fld id="{AA309A6D-C09C-4548-B29A-6CF363A7E532}" type="datetimeFigureOut">
               <a:rPr lang="fr-FR" smtClean="0"/>
-              <a:t>05/04/2015</a:t>
+              <a:t>07/04/2015</a:t>
             </a:fld>
             <a:endParaRPr lang="fr-BE"/>
           </a:p>
@@ -13285,7 +13285,7 @@
           <a:p>
             <a:fld id="{AA309A6D-C09C-4548-B29A-6CF363A7E532}" type="datetimeFigureOut">
               <a:rPr lang="fr-FR" smtClean="0"/>
-              <a:t>05/04/2015</a:t>
+              <a:t>07/04/2015</a:t>
             </a:fld>
             <a:endParaRPr lang="fr-BE"/>
           </a:p>
@@ -14353,35 +14353,6 @@
       </p:sp>
       <p:pic>
         <p:nvPicPr>
-          <p:cNvPr id="4" name="Espace réservé du contenu 3"/>
-          <p:cNvPicPr>
-            <a:picLocks noGrp="1" noChangeAspect="1"/>
-          </p:cNvPicPr>
-          <p:nvPr>
-            <p:ph idx="1"/>
-          </p:nvPr>
-        </p:nvPicPr>
-        <p:blipFill>
-          <a:blip r:embed="rId2">
-            <a:extLst>
-              <a:ext uri="{28A0092B-C50C-407E-A947-70E740481C1C}">
-                <a14:useLocalDpi xmlns:a14="http://schemas.microsoft.com/office/drawing/2010/main" val="0"/>
-              </a:ext>
-            </a:extLst>
-          </a:blip>
-          <a:stretch>
-            <a:fillRect/>
-          </a:stretch>
-        </p:blipFill>
-        <p:spPr>
-          <a:xfrm>
-            <a:off x="1803260" y="2324100"/>
-            <a:ext cx="5256492" cy="3508375"/>
-          </a:xfrm>
-        </p:spPr>
-      </p:pic>
-      <p:pic>
-        <p:nvPicPr>
           <p:cNvPr id="5" name="Image 4"/>
           <p:cNvPicPr>
             <a:picLocks noChangeAspect="1"/>
@@ -14389,7 +14360,7 @@
           <p:nvPr/>
         </p:nvPicPr>
         <p:blipFill>
-          <a:blip r:embed="rId3">
+          <a:blip r:embed="rId2">
             <a:extLst>
               <a:ext uri="{28A0092B-C50C-407E-A947-70E740481C1C}">
                 <a14:useLocalDpi xmlns:a14="http://schemas.microsoft.com/office/drawing/2010/main" val="0"/>
@@ -14408,6 +14379,35 @@
           <a:prstGeom prst="rect">
             <a:avLst/>
           </a:prstGeom>
+        </p:spPr>
+      </p:pic>
+      <p:pic>
+        <p:nvPicPr>
+          <p:cNvPr id="6" name="Espace réservé du contenu 5"/>
+          <p:cNvPicPr>
+            <a:picLocks noGrp="1" noChangeAspect="1"/>
+          </p:cNvPicPr>
+          <p:nvPr>
+            <p:ph idx="1"/>
+          </p:nvPr>
+        </p:nvPicPr>
+        <p:blipFill>
+          <a:blip r:embed="rId3">
+            <a:extLst>
+              <a:ext uri="{28A0092B-C50C-407E-A947-70E740481C1C}">
+                <a14:useLocalDpi xmlns:a14="http://schemas.microsoft.com/office/drawing/2010/main" val="0"/>
+              </a:ext>
+            </a:extLst>
+          </a:blip>
+          <a:stretch>
+            <a:fillRect/>
+          </a:stretch>
+        </p:blipFill>
+        <p:spPr>
+          <a:xfrm>
+            <a:off x="1310420" y="2324100"/>
+            <a:ext cx="6242173" cy="3508375"/>
+          </a:xfrm>
         </p:spPr>
       </p:pic>
     </p:spTree>
@@ -14507,11 +14507,7 @@
           <a:p>
             <a:r>
               <a:rPr lang="fr-FR" dirty="0" smtClean="0"/>
-              <a:t>Respecter les objectifs </a:t>
-            </a:r>
-            <a:r>
-              <a:rPr lang="fr-FR" dirty="0" smtClean="0"/>
-              <a:t>fixés</a:t>
+              <a:t>Respecter les objectifs fixés</a:t>
             </a:r>
           </a:p>
           <a:p>
@@ -14522,7 +14518,6 @@
               <a:rPr lang="fr-FR" dirty="0" smtClean="0"/>
               <a:t>Découverte de la programmation  « web »</a:t>
             </a:r>
-            <a:endParaRPr lang="fr-FR" dirty="0" smtClean="0"/>
           </a:p>
           <a:p>
             <a:endParaRPr lang="fr-FR" dirty="0"/>
@@ -14534,13 +14529,8 @@
             </a:r>
             <a:r>
               <a:rPr lang="fr-FR" dirty="0" smtClean="0"/>
-              <a:t>-docker est un outil encore en </a:t>
-            </a:r>
-            <a:r>
-              <a:rPr lang="fr-FR" dirty="0" smtClean="0"/>
-              <a:t>développement</a:t>
-            </a:r>
-            <a:endParaRPr lang="fr-FR" dirty="0" smtClean="0"/>
+              <a:t>-docker est un outil encore en développement</a:t>
+            </a:r>
           </a:p>
         </p:txBody>
       </p:sp>

--- a/rapport/sout_final_webui-oardocker.pptx
+++ b/rapport/sout_final_webui-oardocker.pptx
@@ -14163,7 +14163,11 @@
           <a:p>
             <a:r>
               <a:rPr lang="fr-FR" dirty="0" smtClean="0"/>
-              <a:t>Autre outils/technologies utilisés</a:t>
+              <a:t>Autres </a:t>
+            </a:r>
+            <a:r>
+              <a:rPr lang="fr-FR" dirty="0" smtClean="0"/>
+              <a:t>outils/technologies utilisés</a:t>
             </a:r>
             <a:endParaRPr lang="fr-FR" dirty="0"/>
           </a:p>
